--- a/实验室/DualE（已汇报）/DualE.pptx
+++ b/实验室/DualE（已汇报）/DualE.pptx
@@ -20417,7 +20417,7 @@
         </p:blipFill>
         <p:spPr>
           <a:xfrm>
-            <a:off x="1934689" y="2471623"/>
+            <a:off x="5312695" y="3749733"/>
             <a:ext cx="5123809" cy="2752381"/>
           </a:xfrm>
           <a:prstGeom prst="rect">
